--- a/RxAndroid.pptx
+++ b/RxAndroid.pptx
@@ -6,6 +6,8 @@
   </p:sldMasterIdLst>
   <p:sldIdLst>
     <p:sldId id="256" r:id="rId2"/>
+    <p:sldId id="257" r:id="rId3"/>
+    <p:sldId id="258" r:id="rId4"/>
   </p:sldIdLst>
   <p:sldSz cx="12192000" cy="6858000"/>
   <p:notesSz cx="6858000" cy="9144000"/>
@@ -104,6 +106,11 @@
       </a:defRPr>
     </a:lvl9pPr>
   </p:defaultTextStyle>
+  <p:extLst>
+    <p:ext uri="{EFAFB233-063F-42B5-8137-9DF3F51BA10A}">
+      <p15:sldGuideLst xmlns:p15="http://schemas.microsoft.com/office/powerpoint/2012/main"/>
+    </p:ext>
+  </p:extLst>
 </p:presentation>
 </file>
 
@@ -3025,6 +3032,248 @@
 </p:sld>
 </file>
 
+<file path=ppt/slides/slide2.xml><?xml version="1.0" encoding="utf-8"?>
+<p:sld xmlns:a="http://schemas.openxmlformats.org/drawingml/2006/main" xmlns:r="http://schemas.openxmlformats.org/officeDocument/2006/relationships" xmlns:p="http://schemas.openxmlformats.org/presentationml/2006/main">
+  <p:cSld>
+    <p:spTree>
+      <p:nvGrpSpPr>
+        <p:cNvPr id="1" name=""/>
+        <p:cNvGrpSpPr/>
+        <p:nvPr/>
+      </p:nvGrpSpPr>
+      <p:grpSpPr>
+        <a:xfrm>
+          <a:off x="0" y="0"/>
+          <a:ext cx="0" cy="0"/>
+          <a:chOff x="0" y="0"/>
+          <a:chExt cx="0" cy="0"/>
+        </a:xfrm>
+      </p:grpSpPr>
+      <p:sp>
+        <p:nvSpPr>
+          <p:cNvPr id="2" name="Title 1"/>
+          <p:cNvSpPr>
+            <a:spLocks noGrp="1"/>
+          </p:cNvSpPr>
+          <p:nvPr>
+            <p:ph type="title"/>
+          </p:nvPr>
+        </p:nvSpPr>
+        <p:spPr/>
+        <p:txBody>
+          <a:bodyPr/>
+          <a:lstStyle/>
+          <a:p>
+            <a:r>
+              <a:rPr lang="en-US" dirty="0" err="1" smtClean="0"/>
+              <a:t>ReactiveX</a:t>
+            </a:r>
+            <a:r>
+              <a:rPr lang="en-US" dirty="0" smtClean="0"/>
+              <a:t>?</a:t>
+            </a:r>
+            <a:endParaRPr lang="en-US" dirty="0"/>
+          </a:p>
+        </p:txBody>
+      </p:sp>
+      <p:pic>
+        <p:nvPicPr>
+          <p:cNvPr id="4" name="Content Placeholder 3"/>
+          <p:cNvPicPr>
+            <a:picLocks noGrp="1" noChangeAspect="1"/>
+          </p:cNvPicPr>
+          <p:nvPr>
+            <p:ph idx="1"/>
+          </p:nvPr>
+        </p:nvPicPr>
+        <p:blipFill>
+          <a:blip r:embed="rId2"/>
+          <a:stretch>
+            <a:fillRect/>
+          </a:stretch>
+        </p:blipFill>
+        <p:spPr>
+          <a:xfrm>
+            <a:off x="677713" y="1690688"/>
+            <a:ext cx="7334250" cy="1847850"/>
+          </a:xfrm>
+          <a:prstGeom prst="rect">
+            <a:avLst/>
+          </a:prstGeom>
+        </p:spPr>
+      </p:pic>
+      <p:pic>
+        <p:nvPicPr>
+          <p:cNvPr id="5" name="Picture 4"/>
+          <p:cNvPicPr>
+            <a:picLocks noChangeAspect="1"/>
+          </p:cNvPicPr>
+          <p:nvPr/>
+        </p:nvPicPr>
+        <p:blipFill>
+          <a:blip r:embed="rId3"/>
+          <a:stretch>
+            <a:fillRect/>
+          </a:stretch>
+        </p:blipFill>
+        <p:spPr>
+          <a:xfrm>
+            <a:off x="838200" y="3857985"/>
+            <a:ext cx="10534650" cy="1695450"/>
+          </a:xfrm>
+          <a:prstGeom prst="rect">
+            <a:avLst/>
+          </a:prstGeom>
+        </p:spPr>
+      </p:pic>
+    </p:spTree>
+    <p:extLst>
+      <p:ext uri="{BB962C8B-B14F-4D97-AF65-F5344CB8AC3E}">
+        <p14:creationId xmlns:p14="http://schemas.microsoft.com/office/powerpoint/2010/main" val="1575086118"/>
+      </p:ext>
+    </p:extLst>
+  </p:cSld>
+  <p:clrMapOvr>
+    <a:masterClrMapping/>
+  </p:clrMapOvr>
+</p:sld>
+</file>
+
+<file path=ppt/slides/slide3.xml><?xml version="1.0" encoding="utf-8"?>
+<p:sld xmlns:a="http://schemas.openxmlformats.org/drawingml/2006/main" xmlns:r="http://schemas.openxmlformats.org/officeDocument/2006/relationships" xmlns:p="http://schemas.openxmlformats.org/presentationml/2006/main">
+  <p:cSld>
+    <p:spTree>
+      <p:nvGrpSpPr>
+        <p:cNvPr id="1" name=""/>
+        <p:cNvGrpSpPr/>
+        <p:nvPr/>
+      </p:nvGrpSpPr>
+      <p:grpSpPr>
+        <a:xfrm>
+          <a:off x="0" y="0"/>
+          <a:ext cx="0" cy="0"/>
+          <a:chOff x="0" y="0"/>
+          <a:chExt cx="0" cy="0"/>
+        </a:xfrm>
+      </p:grpSpPr>
+      <p:sp>
+        <p:nvSpPr>
+          <p:cNvPr id="2" name="Title 1"/>
+          <p:cNvSpPr>
+            <a:spLocks noGrp="1"/>
+          </p:cNvSpPr>
+          <p:nvPr>
+            <p:ph type="title"/>
+          </p:nvPr>
+        </p:nvSpPr>
+        <p:spPr/>
+        <p:txBody>
+          <a:bodyPr/>
+          <a:lstStyle/>
+          <a:p>
+            <a:r>
+              <a:rPr lang="en-US" dirty="0" smtClean="0"/>
+              <a:t>Observer Pattern? </a:t>
+            </a:r>
+            <a:endParaRPr lang="en-US" dirty="0"/>
+          </a:p>
+        </p:txBody>
+      </p:sp>
+      <p:pic>
+        <p:nvPicPr>
+          <p:cNvPr id="3" name="Picture 2"/>
+          <p:cNvPicPr>
+            <a:picLocks noChangeAspect="1"/>
+          </p:cNvPicPr>
+          <p:nvPr/>
+        </p:nvPicPr>
+        <p:blipFill>
+          <a:blip r:embed="rId2"/>
+          <a:stretch>
+            <a:fillRect/>
+          </a:stretch>
+        </p:blipFill>
+        <p:spPr>
+          <a:xfrm>
+            <a:off x="838200" y="1690688"/>
+            <a:ext cx="4800600" cy="2009775"/>
+          </a:xfrm>
+          <a:prstGeom prst="rect">
+            <a:avLst/>
+          </a:prstGeom>
+        </p:spPr>
+      </p:pic>
+      <p:sp>
+        <p:nvSpPr>
+          <p:cNvPr id="4" name="Rectangle 3"/>
+          <p:cNvSpPr/>
+          <p:nvPr/>
+        </p:nvSpPr>
+        <p:spPr>
+          <a:xfrm>
+            <a:off x="4178060" y="4191332"/>
+            <a:ext cx="7243314" cy="1200329"/>
+          </a:xfrm>
+          <a:prstGeom prst="rect">
+            <a:avLst/>
+          </a:prstGeom>
+        </p:spPr>
+        <p:txBody>
+          <a:bodyPr wrap="square">
+            <a:spAutoFit/>
+          </a:bodyPr>
+          <a:lstStyle/>
+          <a:p>
+            <a:r>
+              <a:rPr lang="en-US" dirty="0">
+                <a:solidFill>
+                  <a:srgbClr val="000000"/>
+                </a:solidFill>
+                <a:latin typeface="Arial" panose="020B0604020202020204" pitchFamily="34" charset="0"/>
+                <a:cs typeface="Arial" panose="020B0604020202020204" pitchFamily="34" charset="0"/>
+              </a:rPr>
+              <a:t>Observer pattern is used when there is one-to-many relationship between objects such as if one object is modified, its </a:t>
+            </a:r>
+            <a:r>
+              <a:rPr lang="en-US" dirty="0" smtClean="0">
+                <a:solidFill>
+                  <a:srgbClr val="000000"/>
+                </a:solidFill>
+                <a:latin typeface="Arial" panose="020B0604020202020204" pitchFamily="34" charset="0"/>
+                <a:cs typeface="Arial" panose="020B0604020202020204" pitchFamily="34" charset="0"/>
+              </a:rPr>
+              <a:t>dependent </a:t>
+            </a:r>
+            <a:r>
+              <a:rPr lang="en-US" dirty="0">
+                <a:solidFill>
+                  <a:srgbClr val="000000"/>
+                </a:solidFill>
+                <a:latin typeface="Arial" panose="020B0604020202020204" pitchFamily="34" charset="0"/>
+                <a:cs typeface="Arial" panose="020B0604020202020204" pitchFamily="34" charset="0"/>
+              </a:rPr>
+              <a:t>objects are to be notified automatically. Observer pattern falls under behavioral pattern category.</a:t>
+            </a:r>
+            <a:endParaRPr lang="en-US" dirty="0">
+              <a:latin typeface="Arial" panose="020B0604020202020204" pitchFamily="34" charset="0"/>
+              <a:cs typeface="Arial" panose="020B0604020202020204" pitchFamily="34" charset="0"/>
+            </a:endParaRPr>
+          </a:p>
+        </p:txBody>
+      </p:sp>
+    </p:spTree>
+    <p:extLst>
+      <p:ext uri="{BB962C8B-B14F-4D97-AF65-F5344CB8AC3E}">
+        <p14:creationId xmlns:p14="http://schemas.microsoft.com/office/powerpoint/2010/main" val="289150378"/>
+      </p:ext>
+    </p:extLst>
+  </p:cSld>
+  <p:clrMapOvr>
+    <a:masterClrMapping/>
+  </p:clrMapOvr>
+</p:sld>
+</file>
+
 <file path=ppt/theme/theme1.xml><?xml version="1.0" encoding="utf-8"?>
 <a:theme xmlns:a="http://schemas.openxmlformats.org/drawingml/2006/main" name="Office Theme">
   <a:themeElements>

--- a/RxAndroid.pptx
+++ b/RxAndroid.pptx
@@ -8,6 +8,7 @@
     <p:sldId id="256" r:id="rId2"/>
     <p:sldId id="257" r:id="rId3"/>
     <p:sldId id="258" r:id="rId4"/>
+    <p:sldId id="259" r:id="rId5"/>
   </p:sldIdLst>
   <p:sldSz cx="12192000" cy="6858000"/>
   <p:notesSz cx="6858000" cy="9144000"/>
@@ -245,7 +246,7 @@
           <a:p>
             <a:fld id="{ACD2B237-3B7B-412C-8948-813F138F6F03}" type="datetimeFigureOut">
               <a:rPr lang="en-US" smtClean="0"/>
-              <a:t>9/13/2016</a:t>
+              <a:t>9/21/2016</a:t>
             </a:fld>
             <a:endParaRPr lang="en-US"/>
           </a:p>
@@ -415,7 +416,7 @@
           <a:p>
             <a:fld id="{ACD2B237-3B7B-412C-8948-813F138F6F03}" type="datetimeFigureOut">
               <a:rPr lang="en-US" smtClean="0"/>
-              <a:t>9/13/2016</a:t>
+              <a:t>9/21/2016</a:t>
             </a:fld>
             <a:endParaRPr lang="en-US"/>
           </a:p>
@@ -595,7 +596,7 @@
           <a:p>
             <a:fld id="{ACD2B237-3B7B-412C-8948-813F138F6F03}" type="datetimeFigureOut">
               <a:rPr lang="en-US" smtClean="0"/>
-              <a:t>9/13/2016</a:t>
+              <a:t>9/21/2016</a:t>
             </a:fld>
             <a:endParaRPr lang="en-US"/>
           </a:p>
@@ -765,7 +766,7 @@
           <a:p>
             <a:fld id="{ACD2B237-3B7B-412C-8948-813F138F6F03}" type="datetimeFigureOut">
               <a:rPr lang="en-US" smtClean="0"/>
-              <a:t>9/13/2016</a:t>
+              <a:t>9/21/2016</a:t>
             </a:fld>
             <a:endParaRPr lang="en-US"/>
           </a:p>
@@ -1011,7 +1012,7 @@
           <a:p>
             <a:fld id="{ACD2B237-3B7B-412C-8948-813F138F6F03}" type="datetimeFigureOut">
               <a:rPr lang="en-US" smtClean="0"/>
-              <a:t>9/13/2016</a:t>
+              <a:t>9/21/2016</a:t>
             </a:fld>
             <a:endParaRPr lang="en-US"/>
           </a:p>
@@ -1243,7 +1244,7 @@
           <a:p>
             <a:fld id="{ACD2B237-3B7B-412C-8948-813F138F6F03}" type="datetimeFigureOut">
               <a:rPr lang="en-US" smtClean="0"/>
-              <a:t>9/13/2016</a:t>
+              <a:t>9/21/2016</a:t>
             </a:fld>
             <a:endParaRPr lang="en-US"/>
           </a:p>
@@ -1610,7 +1611,7 @@
           <a:p>
             <a:fld id="{ACD2B237-3B7B-412C-8948-813F138F6F03}" type="datetimeFigureOut">
               <a:rPr lang="en-US" smtClean="0"/>
-              <a:t>9/13/2016</a:t>
+              <a:t>9/21/2016</a:t>
             </a:fld>
             <a:endParaRPr lang="en-US"/>
           </a:p>
@@ -1728,7 +1729,7 @@
           <a:p>
             <a:fld id="{ACD2B237-3B7B-412C-8948-813F138F6F03}" type="datetimeFigureOut">
               <a:rPr lang="en-US" smtClean="0"/>
-              <a:t>9/13/2016</a:t>
+              <a:t>9/21/2016</a:t>
             </a:fld>
             <a:endParaRPr lang="en-US"/>
           </a:p>
@@ -1823,7 +1824,7 @@
           <a:p>
             <a:fld id="{ACD2B237-3B7B-412C-8948-813F138F6F03}" type="datetimeFigureOut">
               <a:rPr lang="en-US" smtClean="0"/>
-              <a:t>9/13/2016</a:t>
+              <a:t>9/21/2016</a:t>
             </a:fld>
             <a:endParaRPr lang="en-US"/>
           </a:p>
@@ -2100,7 +2101,7 @@
           <a:p>
             <a:fld id="{ACD2B237-3B7B-412C-8948-813F138F6F03}" type="datetimeFigureOut">
               <a:rPr lang="en-US" smtClean="0"/>
-              <a:t>9/13/2016</a:t>
+              <a:t>9/21/2016</a:t>
             </a:fld>
             <a:endParaRPr lang="en-US"/>
           </a:p>
@@ -2353,7 +2354,7 @@
           <a:p>
             <a:fld id="{ACD2B237-3B7B-412C-8948-813F138F6F03}" type="datetimeFigureOut">
               <a:rPr lang="en-US" smtClean="0"/>
-              <a:t>9/13/2016</a:t>
+              <a:t>9/21/2016</a:t>
             </a:fld>
             <a:endParaRPr lang="en-US"/>
           </a:p>
@@ -2566,7 +2567,7 @@
           <a:p>
             <a:fld id="{ACD2B237-3B7B-412C-8948-813F138F6F03}" type="datetimeFigureOut">
               <a:rPr lang="en-US" smtClean="0"/>
-              <a:t>9/13/2016</a:t>
+              <a:t>9/21/2016</a:t>
             </a:fld>
             <a:endParaRPr lang="en-US"/>
           </a:p>
@@ -3211,7 +3212,7 @@
         </p:nvSpPr>
         <p:spPr>
           <a:xfrm>
-            <a:off x="4178060" y="4191332"/>
+            <a:off x="4195313" y="3906661"/>
             <a:ext cx="7243314" cy="1200329"/>
           </a:xfrm>
           <a:prstGeom prst="rect">
@@ -3261,10 +3262,161 @@
           </a:p>
         </p:txBody>
       </p:sp>
+      <p:sp>
+        <p:nvSpPr>
+          <p:cNvPr id="5" name="TextBox 4"/>
+          <p:cNvSpPr txBox="1"/>
+          <p:nvPr/>
+        </p:nvSpPr>
+        <p:spPr>
+          <a:xfrm>
+            <a:off x="838200" y="5313188"/>
+            <a:ext cx="7409234" cy="923330"/>
+          </a:xfrm>
+          <a:prstGeom prst="rect">
+            <a:avLst/>
+          </a:prstGeom>
+          <a:noFill/>
+        </p:spPr>
+        <p:txBody>
+          <a:bodyPr wrap="square" rtlCol="0">
+            <a:spAutoFit/>
+          </a:bodyPr>
+          <a:lstStyle/>
+          <a:p>
+            <a:r>
+              <a:rPr lang="en-US" dirty="0"/>
+              <a:t>Remember </a:t>
+            </a:r>
+            <a:r>
+              <a:rPr lang="en-US" dirty="0" err="1"/>
+              <a:t>notifyDataSetChanged</a:t>
+            </a:r>
+            <a:r>
+              <a:rPr lang="en-US" dirty="0"/>
+              <a:t>() from </a:t>
+            </a:r>
+            <a:r>
+              <a:rPr lang="en-US" dirty="0" err="1"/>
+              <a:t>recyclerView</a:t>
+            </a:r>
+            <a:r>
+              <a:rPr lang="en-US" dirty="0"/>
+              <a:t>. It uses observer pattern to update views</a:t>
+            </a:r>
+          </a:p>
+          <a:p>
+            <a:endParaRPr lang="en-US" dirty="0"/>
+          </a:p>
+        </p:txBody>
+      </p:sp>
     </p:spTree>
     <p:extLst>
       <p:ext uri="{BB962C8B-B14F-4D97-AF65-F5344CB8AC3E}">
         <p14:creationId xmlns:p14="http://schemas.microsoft.com/office/powerpoint/2010/main" val="289150378"/>
+      </p:ext>
+    </p:extLst>
+  </p:cSld>
+  <p:clrMapOvr>
+    <a:masterClrMapping/>
+  </p:clrMapOvr>
+</p:sld>
+</file>
+
+<file path=ppt/slides/slide4.xml><?xml version="1.0" encoding="utf-8"?>
+<p:sld xmlns:a="http://schemas.openxmlformats.org/drawingml/2006/main" xmlns:r="http://schemas.openxmlformats.org/officeDocument/2006/relationships" xmlns:p="http://schemas.openxmlformats.org/presentationml/2006/main">
+  <p:cSld>
+    <p:spTree>
+      <p:nvGrpSpPr>
+        <p:cNvPr id="1" name=""/>
+        <p:cNvGrpSpPr/>
+        <p:nvPr/>
+      </p:nvGrpSpPr>
+      <p:grpSpPr>
+        <a:xfrm>
+          <a:off x="0" y="0"/>
+          <a:ext cx="0" cy="0"/>
+          <a:chOff x="0" y="0"/>
+          <a:chExt cx="0" cy="0"/>
+        </a:xfrm>
+      </p:grpSpPr>
+      <p:sp>
+        <p:nvSpPr>
+          <p:cNvPr id="2" name="Title 1"/>
+          <p:cNvSpPr>
+            <a:spLocks noGrp="1"/>
+          </p:cNvSpPr>
+          <p:nvPr>
+            <p:ph type="title"/>
+          </p:nvPr>
+        </p:nvSpPr>
+        <p:spPr/>
+        <p:txBody>
+          <a:bodyPr/>
+          <a:lstStyle/>
+          <a:p>
+            <a:r>
+              <a:rPr lang="en-US" dirty="0" smtClean="0"/>
+              <a:t>Java Future?</a:t>
+            </a:r>
+            <a:endParaRPr lang="en-US" dirty="0"/>
+          </a:p>
+        </p:txBody>
+      </p:sp>
+      <p:pic>
+        <p:nvPicPr>
+          <p:cNvPr id="4" name="Content Placeholder 3"/>
+          <p:cNvPicPr>
+            <a:picLocks noGrp="1" noChangeAspect="1"/>
+          </p:cNvPicPr>
+          <p:nvPr>
+            <p:ph idx="1"/>
+          </p:nvPr>
+        </p:nvPicPr>
+        <p:blipFill>
+          <a:blip r:embed="rId2"/>
+          <a:stretch>
+            <a:fillRect/>
+          </a:stretch>
+        </p:blipFill>
+        <p:spPr>
+          <a:xfrm>
+            <a:off x="4245455" y="1690688"/>
+            <a:ext cx="6496050" cy="2276475"/>
+          </a:xfrm>
+          <a:prstGeom prst="rect">
+            <a:avLst/>
+          </a:prstGeom>
+        </p:spPr>
+      </p:pic>
+      <p:pic>
+        <p:nvPicPr>
+          <p:cNvPr id="5" name="Picture 4"/>
+          <p:cNvPicPr>
+            <a:picLocks noChangeAspect="1"/>
+          </p:cNvPicPr>
+          <p:nvPr/>
+        </p:nvPicPr>
+        <p:blipFill>
+          <a:blip r:embed="rId3"/>
+          <a:stretch>
+            <a:fillRect/>
+          </a:stretch>
+        </p:blipFill>
+        <p:spPr>
+          <a:xfrm>
+            <a:off x="838200" y="4530395"/>
+            <a:ext cx="9039225" cy="1247775"/>
+          </a:xfrm>
+          <a:prstGeom prst="rect">
+            <a:avLst/>
+          </a:prstGeom>
+        </p:spPr>
+      </p:pic>
+    </p:spTree>
+    <p:extLst>
+      <p:ext uri="{BB962C8B-B14F-4D97-AF65-F5344CB8AC3E}">
+        <p14:creationId xmlns:p14="http://schemas.microsoft.com/office/powerpoint/2010/main" val="2932209780"/>
       </p:ext>
     </p:extLst>
   </p:cSld>

--- a/RxAndroid.pptx
+++ b/RxAndroid.pptx
@@ -9,6 +9,12 @@
     <p:sldId id="257" r:id="rId3"/>
     <p:sldId id="258" r:id="rId4"/>
     <p:sldId id="259" r:id="rId5"/>
+    <p:sldId id="260" r:id="rId6"/>
+    <p:sldId id="261" r:id="rId7"/>
+    <p:sldId id="262" r:id="rId8"/>
+    <p:sldId id="263" r:id="rId9"/>
+    <p:sldId id="264" r:id="rId10"/>
+    <p:sldId id="265" r:id="rId11"/>
   </p:sldIdLst>
   <p:sldSz cx="12192000" cy="6858000"/>
   <p:notesSz cx="6858000" cy="9144000"/>
@@ -246,7 +252,7 @@
           <a:p>
             <a:fld id="{ACD2B237-3B7B-412C-8948-813F138F6F03}" type="datetimeFigureOut">
               <a:rPr lang="en-US" smtClean="0"/>
-              <a:t>9/21/2016</a:t>
+              <a:t>9/23/2016</a:t>
             </a:fld>
             <a:endParaRPr lang="en-US"/>
           </a:p>
@@ -416,7 +422,7 @@
           <a:p>
             <a:fld id="{ACD2B237-3B7B-412C-8948-813F138F6F03}" type="datetimeFigureOut">
               <a:rPr lang="en-US" smtClean="0"/>
-              <a:t>9/21/2016</a:t>
+              <a:t>9/23/2016</a:t>
             </a:fld>
             <a:endParaRPr lang="en-US"/>
           </a:p>
@@ -596,7 +602,7 @@
           <a:p>
             <a:fld id="{ACD2B237-3B7B-412C-8948-813F138F6F03}" type="datetimeFigureOut">
               <a:rPr lang="en-US" smtClean="0"/>
-              <a:t>9/21/2016</a:t>
+              <a:t>9/23/2016</a:t>
             </a:fld>
             <a:endParaRPr lang="en-US"/>
           </a:p>
@@ -766,7 +772,7 @@
           <a:p>
             <a:fld id="{ACD2B237-3B7B-412C-8948-813F138F6F03}" type="datetimeFigureOut">
               <a:rPr lang="en-US" smtClean="0"/>
-              <a:t>9/21/2016</a:t>
+              <a:t>9/23/2016</a:t>
             </a:fld>
             <a:endParaRPr lang="en-US"/>
           </a:p>
@@ -1012,7 +1018,7 @@
           <a:p>
             <a:fld id="{ACD2B237-3B7B-412C-8948-813F138F6F03}" type="datetimeFigureOut">
               <a:rPr lang="en-US" smtClean="0"/>
-              <a:t>9/21/2016</a:t>
+              <a:t>9/23/2016</a:t>
             </a:fld>
             <a:endParaRPr lang="en-US"/>
           </a:p>
@@ -1244,7 +1250,7 @@
           <a:p>
             <a:fld id="{ACD2B237-3B7B-412C-8948-813F138F6F03}" type="datetimeFigureOut">
               <a:rPr lang="en-US" smtClean="0"/>
-              <a:t>9/21/2016</a:t>
+              <a:t>9/23/2016</a:t>
             </a:fld>
             <a:endParaRPr lang="en-US"/>
           </a:p>
@@ -1611,7 +1617,7 @@
           <a:p>
             <a:fld id="{ACD2B237-3B7B-412C-8948-813F138F6F03}" type="datetimeFigureOut">
               <a:rPr lang="en-US" smtClean="0"/>
-              <a:t>9/21/2016</a:t>
+              <a:t>9/23/2016</a:t>
             </a:fld>
             <a:endParaRPr lang="en-US"/>
           </a:p>
@@ -1729,7 +1735,7 @@
           <a:p>
             <a:fld id="{ACD2B237-3B7B-412C-8948-813F138F6F03}" type="datetimeFigureOut">
               <a:rPr lang="en-US" smtClean="0"/>
-              <a:t>9/21/2016</a:t>
+              <a:t>9/23/2016</a:t>
             </a:fld>
             <a:endParaRPr lang="en-US"/>
           </a:p>
@@ -1824,7 +1830,7 @@
           <a:p>
             <a:fld id="{ACD2B237-3B7B-412C-8948-813F138F6F03}" type="datetimeFigureOut">
               <a:rPr lang="en-US" smtClean="0"/>
-              <a:t>9/21/2016</a:t>
+              <a:t>9/23/2016</a:t>
             </a:fld>
             <a:endParaRPr lang="en-US"/>
           </a:p>
@@ -2101,7 +2107,7 @@
           <a:p>
             <a:fld id="{ACD2B237-3B7B-412C-8948-813F138F6F03}" type="datetimeFigureOut">
               <a:rPr lang="en-US" smtClean="0"/>
-              <a:t>9/21/2016</a:t>
+              <a:t>9/23/2016</a:t>
             </a:fld>
             <a:endParaRPr lang="en-US"/>
           </a:p>
@@ -2354,7 +2360,7 @@
           <a:p>
             <a:fld id="{ACD2B237-3B7B-412C-8948-813F138F6F03}" type="datetimeFigureOut">
               <a:rPr lang="en-US" smtClean="0"/>
-              <a:t>9/21/2016</a:t>
+              <a:t>9/23/2016</a:t>
             </a:fld>
             <a:endParaRPr lang="en-US"/>
           </a:p>
@@ -2567,7 +2573,7 @@
           <a:p>
             <a:fld id="{ACD2B237-3B7B-412C-8948-813F138F6F03}" type="datetimeFigureOut">
               <a:rPr lang="en-US" smtClean="0"/>
-              <a:t>9/21/2016</a:t>
+              <a:t>9/23/2016</a:t>
             </a:fld>
             <a:endParaRPr lang="en-US"/>
           </a:p>
@@ -3033,6 +3039,36 @@
 </p:sld>
 </file>
 
+<file path=ppt/slides/slide10.xml><?xml version="1.0" encoding="utf-8"?>
+<p:sld xmlns:a="http://schemas.openxmlformats.org/drawingml/2006/main" xmlns:r="http://schemas.openxmlformats.org/officeDocument/2006/relationships" xmlns:p="http://schemas.openxmlformats.org/presentationml/2006/main">
+  <p:cSld>
+    <p:spTree>
+      <p:nvGrpSpPr>
+        <p:cNvPr id="1" name=""/>
+        <p:cNvGrpSpPr/>
+        <p:nvPr/>
+      </p:nvGrpSpPr>
+      <p:grpSpPr>
+        <a:xfrm>
+          <a:off x="0" y="0"/>
+          <a:ext cx="0" cy="0"/>
+          <a:chOff x="0" y="0"/>
+          <a:chExt cx="0" cy="0"/>
+        </a:xfrm>
+      </p:grpSpPr>
+    </p:spTree>
+    <p:extLst>
+      <p:ext uri="{BB962C8B-B14F-4D97-AF65-F5344CB8AC3E}">
+        <p14:creationId xmlns:p14="http://schemas.microsoft.com/office/powerpoint/2010/main" val="170367139"/>
+      </p:ext>
+    </p:extLst>
+  </p:cSld>
+  <p:clrMapOvr>
+    <a:masterClrMapping/>
+  </p:clrMapOvr>
+</p:sld>
+</file>
+
 <file path=ppt/slides/slide2.xml><?xml version="1.0" encoding="utf-8"?>
 <p:sld xmlns:a="http://schemas.openxmlformats.org/drawingml/2006/main" xmlns:r="http://schemas.openxmlformats.org/officeDocument/2006/relationships" xmlns:p="http://schemas.openxmlformats.org/presentationml/2006/main">
   <p:cSld>
@@ -3417,6 +3453,951 @@
     <p:extLst>
       <p:ext uri="{BB962C8B-B14F-4D97-AF65-F5344CB8AC3E}">
         <p14:creationId xmlns:p14="http://schemas.microsoft.com/office/powerpoint/2010/main" val="2932209780"/>
+      </p:ext>
+    </p:extLst>
+  </p:cSld>
+  <p:clrMapOvr>
+    <a:masterClrMapping/>
+  </p:clrMapOvr>
+</p:sld>
+</file>
+
+<file path=ppt/slides/slide5.xml><?xml version="1.0" encoding="utf-8"?>
+<p:sld xmlns:a="http://schemas.openxmlformats.org/drawingml/2006/main" xmlns:r="http://schemas.openxmlformats.org/officeDocument/2006/relationships" xmlns:p="http://schemas.openxmlformats.org/presentationml/2006/main">
+  <p:cSld>
+    <p:spTree>
+      <p:nvGrpSpPr>
+        <p:cNvPr id="1" name=""/>
+        <p:cNvGrpSpPr/>
+        <p:nvPr/>
+      </p:nvGrpSpPr>
+      <p:grpSpPr>
+        <a:xfrm>
+          <a:off x="0" y="0"/>
+          <a:ext cx="0" cy="0"/>
+          <a:chOff x="0" y="0"/>
+          <a:chExt cx="0" cy="0"/>
+        </a:xfrm>
+      </p:grpSpPr>
+      <p:sp>
+        <p:nvSpPr>
+          <p:cNvPr id="2" name="Title 1"/>
+          <p:cNvSpPr>
+            <a:spLocks noGrp="1"/>
+          </p:cNvSpPr>
+          <p:nvPr>
+            <p:ph type="title"/>
+          </p:nvPr>
+        </p:nvSpPr>
+        <p:spPr/>
+        <p:txBody>
+          <a:bodyPr>
+            <a:normAutofit/>
+          </a:bodyPr>
+          <a:lstStyle/>
+          <a:p>
+            <a:pPr algn="ctr"/>
+            <a:r>
+              <a:rPr lang="en-US" sz="6000" b="1" cap="all" dirty="0"/>
+              <a:t>THE BIG </a:t>
+            </a:r>
+            <a:r>
+              <a:rPr lang="en-US" sz="6000" b="1" cap="all" dirty="0" smtClean="0"/>
+              <a:t>PICTURE</a:t>
+            </a:r>
+            <a:endParaRPr lang="en-US" sz="6000" b="1" dirty="0"/>
+          </a:p>
+        </p:txBody>
+      </p:sp>
+      <p:sp>
+        <p:nvSpPr>
+          <p:cNvPr id="3" name="Content Placeholder 2"/>
+          <p:cNvSpPr>
+            <a:spLocks noGrp="1"/>
+          </p:cNvSpPr>
+          <p:nvPr>
+            <p:ph idx="1"/>
+          </p:nvPr>
+        </p:nvSpPr>
+        <p:spPr/>
+        <p:txBody>
+          <a:bodyPr/>
+          <a:lstStyle/>
+          <a:p>
+            <a:pPr marL="0" indent="0" algn="ctr">
+              <a:lnSpc>
+                <a:spcPct val="200000"/>
+              </a:lnSpc>
+              <a:buNone/>
+            </a:pPr>
+            <a:r>
+              <a:rPr lang="en-US" sz="4000" cap="all" dirty="0"/>
+              <a:t>OBSERVABLES</a:t>
+            </a:r>
+          </a:p>
+          <a:p>
+            <a:pPr marL="0" indent="0" algn="ctr">
+              <a:lnSpc>
+                <a:spcPct val="200000"/>
+              </a:lnSpc>
+              <a:buNone/>
+            </a:pPr>
+            <a:r>
+              <a:rPr lang="en-US" sz="4000" cap="all" dirty="0"/>
+              <a:t>OBSERVERS</a:t>
+            </a:r>
+          </a:p>
+          <a:p>
+            <a:pPr marL="0" indent="0" algn="ctr">
+              <a:lnSpc>
+                <a:spcPct val="200000"/>
+              </a:lnSpc>
+              <a:buNone/>
+            </a:pPr>
+            <a:r>
+              <a:rPr lang="en-US" sz="4000" cap="all" dirty="0"/>
+              <a:t>SUBSCRIPTIONS</a:t>
+            </a:r>
+          </a:p>
+          <a:p>
+            <a:endParaRPr lang="en-US" dirty="0"/>
+          </a:p>
+        </p:txBody>
+      </p:sp>
+    </p:spTree>
+    <p:extLst>
+      <p:ext uri="{BB962C8B-B14F-4D97-AF65-F5344CB8AC3E}">
+        <p14:creationId xmlns:p14="http://schemas.microsoft.com/office/powerpoint/2010/main" val="976552360"/>
+      </p:ext>
+    </p:extLst>
+  </p:cSld>
+  <p:clrMapOvr>
+    <a:masterClrMapping/>
+  </p:clrMapOvr>
+</p:sld>
+</file>
+
+<file path=ppt/slides/slide6.xml><?xml version="1.0" encoding="utf-8"?>
+<p:sld xmlns:a="http://schemas.openxmlformats.org/drawingml/2006/main" xmlns:r="http://schemas.openxmlformats.org/officeDocument/2006/relationships" xmlns:p="http://schemas.openxmlformats.org/presentationml/2006/main">
+  <p:cSld>
+    <p:spTree>
+      <p:nvGrpSpPr>
+        <p:cNvPr id="1" name=""/>
+        <p:cNvGrpSpPr/>
+        <p:nvPr/>
+      </p:nvGrpSpPr>
+      <p:grpSpPr>
+        <a:xfrm>
+          <a:off x="0" y="0"/>
+          <a:ext cx="0" cy="0"/>
+          <a:chOff x="0" y="0"/>
+          <a:chExt cx="0" cy="0"/>
+        </a:xfrm>
+      </p:grpSpPr>
+      <p:sp>
+        <p:nvSpPr>
+          <p:cNvPr id="3" name="Title 2"/>
+          <p:cNvSpPr>
+            <a:spLocks noGrp="1"/>
+          </p:cNvSpPr>
+          <p:nvPr>
+            <p:ph type="title"/>
+          </p:nvPr>
+        </p:nvSpPr>
+        <p:spPr/>
+        <p:txBody>
+          <a:bodyPr/>
+          <a:lstStyle/>
+          <a:p>
+            <a:r>
+              <a:rPr lang="en-US" dirty="0" smtClean="0"/>
+              <a:t>Key elements</a:t>
+            </a:r>
+            <a:endParaRPr lang="en-US" dirty="0"/>
+          </a:p>
+        </p:txBody>
+      </p:sp>
+      <p:sp>
+        <p:nvSpPr>
+          <p:cNvPr id="4" name="Content Placeholder 3"/>
+          <p:cNvSpPr>
+            <a:spLocks noGrp="1"/>
+          </p:cNvSpPr>
+          <p:nvPr>
+            <p:ph idx="1"/>
+          </p:nvPr>
+        </p:nvSpPr>
+        <p:spPr/>
+        <p:txBody>
+          <a:bodyPr/>
+          <a:lstStyle/>
+          <a:p>
+            <a:r>
+              <a:rPr lang="en-US" dirty="0" smtClean="0"/>
+              <a:t>Observables, processes that produces data</a:t>
+            </a:r>
+          </a:p>
+          <a:p>
+            <a:r>
+              <a:rPr lang="en-US" dirty="0" smtClean="0"/>
+              <a:t>Observers, uses data</a:t>
+            </a:r>
+          </a:p>
+          <a:p>
+            <a:r>
+              <a:rPr lang="en-US" dirty="0" smtClean="0"/>
+              <a:t>Subscription, connects an observer to an observable</a:t>
+            </a:r>
+          </a:p>
+          <a:p>
+            <a:r>
+              <a:rPr lang="en-US" dirty="0" smtClean="0"/>
+              <a:t>Subscribe, where to execute</a:t>
+            </a:r>
+          </a:p>
+          <a:p>
+            <a:r>
+              <a:rPr lang="en-US" dirty="0" smtClean="0"/>
+              <a:t>Observe, where to get</a:t>
+            </a:r>
+          </a:p>
+          <a:p>
+            <a:endParaRPr lang="en-US" dirty="0"/>
+          </a:p>
+        </p:txBody>
+      </p:sp>
+    </p:spTree>
+    <p:extLst>
+      <p:ext uri="{BB962C8B-B14F-4D97-AF65-F5344CB8AC3E}">
+        <p14:creationId xmlns:p14="http://schemas.microsoft.com/office/powerpoint/2010/main" val="371503963"/>
+      </p:ext>
+    </p:extLst>
+  </p:cSld>
+  <p:clrMapOvr>
+    <a:masterClrMapping/>
+  </p:clrMapOvr>
+</p:sld>
+</file>
+
+<file path=ppt/slides/slide7.xml><?xml version="1.0" encoding="utf-8"?>
+<p:sld xmlns:a="http://schemas.openxmlformats.org/drawingml/2006/main" xmlns:r="http://schemas.openxmlformats.org/officeDocument/2006/relationships" xmlns:p="http://schemas.openxmlformats.org/presentationml/2006/main">
+  <p:cSld>
+    <p:spTree>
+      <p:nvGrpSpPr>
+        <p:cNvPr id="1" name=""/>
+        <p:cNvGrpSpPr/>
+        <p:nvPr/>
+      </p:nvGrpSpPr>
+      <p:grpSpPr>
+        <a:xfrm>
+          <a:off x="0" y="0"/>
+          <a:ext cx="0" cy="0"/>
+          <a:chOff x="0" y="0"/>
+          <a:chExt cx="0" cy="0"/>
+        </a:xfrm>
+      </p:grpSpPr>
+      <p:pic>
+        <p:nvPicPr>
+          <p:cNvPr id="4" name="Picture 3"/>
+          <p:cNvPicPr>
+            <a:picLocks noChangeAspect="1"/>
+          </p:cNvPicPr>
+          <p:nvPr/>
+        </p:nvPicPr>
+        <p:blipFill>
+          <a:blip r:embed="rId2"/>
+          <a:stretch>
+            <a:fillRect/>
+          </a:stretch>
+        </p:blipFill>
+        <p:spPr>
+          <a:xfrm>
+            <a:off x="838200" y="252982"/>
+            <a:ext cx="6086475" cy="2085975"/>
+          </a:xfrm>
+          <a:prstGeom prst="rect">
+            <a:avLst/>
+          </a:prstGeom>
+          <a:ln>
+            <a:solidFill>
+              <a:schemeClr val="accent1">
+                <a:lumMod val="75000"/>
+              </a:schemeClr>
+            </a:solidFill>
+          </a:ln>
+        </p:spPr>
+      </p:pic>
+      <p:pic>
+        <p:nvPicPr>
+          <p:cNvPr id="5" name="Picture 4"/>
+          <p:cNvPicPr>
+            <a:picLocks noChangeAspect="1"/>
+          </p:cNvPicPr>
+          <p:nvPr/>
+        </p:nvPicPr>
+        <p:blipFill>
+          <a:blip r:embed="rId3"/>
+          <a:stretch>
+            <a:fillRect/>
+          </a:stretch>
+        </p:blipFill>
+        <p:spPr>
+          <a:xfrm>
+            <a:off x="7588100" y="2472755"/>
+            <a:ext cx="3667125" cy="180975"/>
+          </a:xfrm>
+          <a:prstGeom prst="rect">
+            <a:avLst/>
+          </a:prstGeom>
+          <a:ln>
+            <a:solidFill>
+              <a:schemeClr val="accent1">
+                <a:lumMod val="75000"/>
+              </a:schemeClr>
+            </a:solidFill>
+          </a:ln>
+        </p:spPr>
+      </p:pic>
+      <p:pic>
+        <p:nvPicPr>
+          <p:cNvPr id="6" name="Picture 5"/>
+          <p:cNvPicPr>
+            <a:picLocks noChangeAspect="1"/>
+          </p:cNvPicPr>
+          <p:nvPr/>
+        </p:nvPicPr>
+        <p:blipFill>
+          <a:blip r:embed="rId4"/>
+          <a:stretch>
+            <a:fillRect/>
+          </a:stretch>
+        </p:blipFill>
+        <p:spPr>
+          <a:xfrm>
+            <a:off x="838200" y="2563243"/>
+            <a:ext cx="5819775" cy="3419475"/>
+          </a:xfrm>
+          <a:prstGeom prst="rect">
+            <a:avLst/>
+          </a:prstGeom>
+          <a:ln>
+            <a:solidFill>
+              <a:schemeClr val="accent1">
+                <a:lumMod val="75000"/>
+              </a:schemeClr>
+            </a:solidFill>
+          </a:ln>
+        </p:spPr>
+      </p:pic>
+      <p:pic>
+        <p:nvPicPr>
+          <p:cNvPr id="7" name="Picture 6"/>
+          <p:cNvPicPr>
+            <a:picLocks noChangeAspect="1"/>
+          </p:cNvPicPr>
+          <p:nvPr/>
+        </p:nvPicPr>
+        <p:blipFill>
+          <a:blip r:embed="rId5"/>
+          <a:stretch>
+            <a:fillRect/>
+          </a:stretch>
+        </p:blipFill>
+        <p:spPr>
+          <a:xfrm>
+            <a:off x="7588100" y="3022150"/>
+            <a:ext cx="3905250" cy="419100"/>
+          </a:xfrm>
+          <a:prstGeom prst="rect">
+            <a:avLst/>
+          </a:prstGeom>
+          <a:ln>
+            <a:solidFill>
+              <a:schemeClr val="accent1">
+                <a:lumMod val="75000"/>
+              </a:schemeClr>
+            </a:solidFill>
+          </a:ln>
+        </p:spPr>
+      </p:pic>
+    </p:spTree>
+    <p:extLst>
+      <p:ext uri="{BB962C8B-B14F-4D97-AF65-F5344CB8AC3E}">
+        <p14:creationId xmlns:p14="http://schemas.microsoft.com/office/powerpoint/2010/main" val="1470053962"/>
+      </p:ext>
+    </p:extLst>
+  </p:cSld>
+  <p:clrMapOvr>
+    <a:masterClrMapping/>
+  </p:clrMapOvr>
+</p:sld>
+</file>
+
+<file path=ppt/slides/slide8.xml><?xml version="1.0" encoding="utf-8"?>
+<p:sld xmlns:a="http://schemas.openxmlformats.org/drawingml/2006/main" xmlns:r="http://schemas.openxmlformats.org/officeDocument/2006/relationships" xmlns:p="http://schemas.openxmlformats.org/presentationml/2006/main">
+  <p:cSld>
+    <p:spTree>
+      <p:nvGrpSpPr>
+        <p:cNvPr id="1" name=""/>
+        <p:cNvGrpSpPr/>
+        <p:nvPr/>
+      </p:nvGrpSpPr>
+      <p:grpSpPr>
+        <a:xfrm>
+          <a:off x="0" y="0"/>
+          <a:ext cx="0" cy="0"/>
+          <a:chOff x="0" y="0"/>
+          <a:chExt cx="0" cy="0"/>
+        </a:xfrm>
+      </p:grpSpPr>
+      <p:pic>
+        <p:nvPicPr>
+          <p:cNvPr id="9" name="Picture 8"/>
+          <p:cNvPicPr>
+            <a:picLocks noChangeAspect="1"/>
+          </p:cNvPicPr>
+          <p:nvPr/>
+        </p:nvPicPr>
+        <p:blipFill>
+          <a:blip r:embed="rId2"/>
+          <a:stretch>
+            <a:fillRect/>
+          </a:stretch>
+        </p:blipFill>
+        <p:spPr>
+          <a:xfrm>
+            <a:off x="838200" y="329062"/>
+            <a:ext cx="7181850" cy="1371600"/>
+          </a:xfrm>
+          <a:prstGeom prst="rect">
+            <a:avLst/>
+          </a:prstGeom>
+          <a:ln>
+            <a:solidFill>
+              <a:schemeClr val="accent2">
+                <a:lumMod val="75000"/>
+              </a:schemeClr>
+            </a:solidFill>
+          </a:ln>
+        </p:spPr>
+      </p:pic>
+      <p:pic>
+        <p:nvPicPr>
+          <p:cNvPr id="10" name="Picture 9"/>
+          <p:cNvPicPr>
+            <a:picLocks noChangeAspect="1"/>
+          </p:cNvPicPr>
+          <p:nvPr/>
+        </p:nvPicPr>
+        <p:blipFill>
+          <a:blip r:embed="rId3"/>
+          <a:stretch>
+            <a:fillRect/>
+          </a:stretch>
+        </p:blipFill>
+        <p:spPr>
+          <a:xfrm>
+            <a:off x="838200" y="1981304"/>
+            <a:ext cx="5943600" cy="3819525"/>
+          </a:xfrm>
+          <a:prstGeom prst="rect">
+            <a:avLst/>
+          </a:prstGeom>
+          <a:ln>
+            <a:solidFill>
+              <a:schemeClr val="accent2">
+                <a:lumMod val="75000"/>
+              </a:schemeClr>
+            </a:solidFill>
+          </a:ln>
+        </p:spPr>
+      </p:pic>
+      <p:pic>
+        <p:nvPicPr>
+          <p:cNvPr id="11" name="Picture 10"/>
+          <p:cNvPicPr>
+            <a:picLocks noChangeAspect="1"/>
+          </p:cNvPicPr>
+          <p:nvPr/>
+        </p:nvPicPr>
+        <p:blipFill>
+          <a:blip r:embed="rId4"/>
+          <a:stretch>
+            <a:fillRect/>
+          </a:stretch>
+        </p:blipFill>
+        <p:spPr>
+          <a:xfrm>
+            <a:off x="5900827" y="4648183"/>
+            <a:ext cx="6096000" cy="495300"/>
+          </a:xfrm>
+          <a:prstGeom prst="rect">
+            <a:avLst/>
+          </a:prstGeom>
+          <a:ln>
+            <a:solidFill>
+              <a:schemeClr val="accent2">
+                <a:lumMod val="75000"/>
+              </a:schemeClr>
+            </a:solidFill>
+          </a:ln>
+        </p:spPr>
+      </p:pic>
+      <p:pic>
+        <p:nvPicPr>
+          <p:cNvPr id="12" name="Picture 11"/>
+          <p:cNvPicPr>
+            <a:picLocks noChangeAspect="1"/>
+          </p:cNvPicPr>
+          <p:nvPr/>
+        </p:nvPicPr>
+        <p:blipFill>
+          <a:blip r:embed="rId5"/>
+          <a:stretch>
+            <a:fillRect/>
+          </a:stretch>
+        </p:blipFill>
+        <p:spPr>
+          <a:xfrm>
+            <a:off x="6984521" y="2173895"/>
+            <a:ext cx="5124450" cy="1438275"/>
+          </a:xfrm>
+          <a:prstGeom prst="rect">
+            <a:avLst/>
+          </a:prstGeom>
+          <a:solidFill>
+            <a:schemeClr val="bg2"/>
+          </a:solidFill>
+          <a:ln>
+            <a:solidFill>
+              <a:schemeClr val="accent2">
+                <a:lumMod val="75000"/>
+              </a:schemeClr>
+            </a:solidFill>
+          </a:ln>
+        </p:spPr>
+      </p:pic>
+      <p:cxnSp>
+        <p:nvCxnSpPr>
+          <p:cNvPr id="14" name="Straight Arrow Connector 13"/>
+          <p:cNvCxnSpPr>
+            <a:endCxn id="12" idx="1"/>
+          </p:cNvCxnSpPr>
+          <p:nvPr/>
+        </p:nvCxnSpPr>
+        <p:spPr>
+          <a:xfrm flipV="1">
+            <a:off x="4666891" y="2893033"/>
+            <a:ext cx="2317630" cy="415726"/>
+          </a:xfrm>
+          <a:prstGeom prst="straightConnector1">
+            <a:avLst/>
+          </a:prstGeom>
+          <a:ln>
+            <a:solidFill>
+              <a:schemeClr val="accent2">
+                <a:lumMod val="75000"/>
+              </a:schemeClr>
+            </a:solidFill>
+            <a:tailEnd type="triangle"/>
+          </a:ln>
+        </p:spPr>
+        <p:style>
+          <a:lnRef idx="1">
+            <a:schemeClr val="accent1"/>
+          </a:lnRef>
+          <a:fillRef idx="0">
+            <a:schemeClr val="accent1"/>
+          </a:fillRef>
+          <a:effectRef idx="0">
+            <a:schemeClr val="accent1"/>
+          </a:effectRef>
+          <a:fontRef idx="minor">
+            <a:schemeClr val="tx1"/>
+          </a:fontRef>
+        </p:style>
+      </p:cxnSp>
+      <p:cxnSp>
+        <p:nvCxnSpPr>
+          <p:cNvPr id="16" name="Straight Arrow Connector 15"/>
+          <p:cNvCxnSpPr/>
+          <p:nvPr/>
+        </p:nvCxnSpPr>
+        <p:spPr>
+          <a:xfrm>
+            <a:off x="4666891" y="3308759"/>
+            <a:ext cx="1911470" cy="1306432"/>
+          </a:xfrm>
+          <a:prstGeom prst="straightConnector1">
+            <a:avLst/>
+          </a:prstGeom>
+          <a:ln>
+            <a:solidFill>
+              <a:schemeClr val="accent2">
+                <a:lumMod val="75000"/>
+              </a:schemeClr>
+            </a:solidFill>
+            <a:tailEnd type="triangle"/>
+          </a:ln>
+        </p:spPr>
+        <p:style>
+          <a:lnRef idx="1">
+            <a:schemeClr val="accent1"/>
+          </a:lnRef>
+          <a:fillRef idx="0">
+            <a:schemeClr val="accent1"/>
+          </a:fillRef>
+          <a:effectRef idx="0">
+            <a:schemeClr val="accent1"/>
+          </a:effectRef>
+          <a:fontRef idx="minor">
+            <a:schemeClr val="tx1"/>
+          </a:fontRef>
+        </p:style>
+      </p:cxnSp>
+    </p:spTree>
+    <p:extLst>
+      <p:ext uri="{BB962C8B-B14F-4D97-AF65-F5344CB8AC3E}">
+        <p14:creationId xmlns:p14="http://schemas.microsoft.com/office/powerpoint/2010/main" val="3516781603"/>
+      </p:ext>
+    </p:extLst>
+  </p:cSld>
+  <p:clrMapOvr>
+    <a:masterClrMapping/>
+  </p:clrMapOvr>
+</p:sld>
+</file>
+
+<file path=ppt/slides/slide9.xml><?xml version="1.0" encoding="utf-8"?>
+<p:sld xmlns:a="http://schemas.openxmlformats.org/drawingml/2006/main" xmlns:r="http://schemas.openxmlformats.org/officeDocument/2006/relationships" xmlns:p="http://schemas.openxmlformats.org/presentationml/2006/main">
+  <p:cSld>
+    <p:spTree>
+      <p:nvGrpSpPr>
+        <p:cNvPr id="1" name=""/>
+        <p:cNvGrpSpPr/>
+        <p:nvPr/>
+      </p:nvGrpSpPr>
+      <p:grpSpPr>
+        <a:xfrm>
+          <a:off x="0" y="0"/>
+          <a:ext cx="0" cy="0"/>
+          <a:chOff x="0" y="0"/>
+          <a:chExt cx="0" cy="0"/>
+        </a:xfrm>
+      </p:grpSpPr>
+      <p:pic>
+        <p:nvPicPr>
+          <p:cNvPr id="6" name="Picture 5"/>
+          <p:cNvPicPr>
+            <a:picLocks noChangeAspect="1"/>
+          </p:cNvPicPr>
+          <p:nvPr/>
+        </p:nvPicPr>
+        <p:blipFill>
+          <a:blip r:embed="rId2"/>
+          <a:stretch>
+            <a:fillRect/>
+          </a:stretch>
+        </p:blipFill>
+        <p:spPr>
+          <a:xfrm>
+            <a:off x="8810894" y="521762"/>
+            <a:ext cx="1971675" cy="1038225"/>
+          </a:xfrm>
+          <a:prstGeom prst="rect">
+            <a:avLst/>
+          </a:prstGeom>
+          <a:ln>
+            <a:solidFill>
+              <a:schemeClr val="bg2">
+                <a:lumMod val="50000"/>
+              </a:schemeClr>
+            </a:solidFill>
+          </a:ln>
+        </p:spPr>
+      </p:pic>
+      <p:cxnSp>
+        <p:nvCxnSpPr>
+          <p:cNvPr id="8" name="Straight Arrow Connector 7"/>
+          <p:cNvCxnSpPr>
+            <a:stCxn id="9" idx="3"/>
+            <a:endCxn id="6" idx="1"/>
+          </p:cNvCxnSpPr>
+          <p:nvPr/>
+        </p:nvCxnSpPr>
+        <p:spPr>
+          <a:xfrm flipV="1">
+            <a:off x="5933536" y="1040875"/>
+            <a:ext cx="2877358" cy="15232"/>
+          </a:xfrm>
+          <a:prstGeom prst="straightConnector1">
+            <a:avLst/>
+          </a:prstGeom>
+          <a:ln>
+            <a:solidFill>
+              <a:schemeClr val="bg2">
+                <a:lumMod val="50000"/>
+              </a:schemeClr>
+            </a:solidFill>
+            <a:tailEnd type="triangle"/>
+          </a:ln>
+        </p:spPr>
+        <p:style>
+          <a:lnRef idx="1">
+            <a:schemeClr val="accent1"/>
+          </a:lnRef>
+          <a:fillRef idx="0">
+            <a:schemeClr val="accent1"/>
+          </a:fillRef>
+          <a:effectRef idx="0">
+            <a:schemeClr val="accent1"/>
+          </a:effectRef>
+          <a:fontRef idx="minor">
+            <a:schemeClr val="tx1"/>
+          </a:fontRef>
+        </p:style>
+      </p:cxnSp>
+      <p:pic>
+        <p:nvPicPr>
+          <p:cNvPr id="9" name="Picture 8"/>
+          <p:cNvPicPr>
+            <a:picLocks noChangeAspect="1"/>
+          </p:cNvPicPr>
+          <p:nvPr/>
+        </p:nvPicPr>
+        <p:blipFill>
+          <a:blip r:embed="rId3"/>
+          <a:stretch>
+            <a:fillRect/>
+          </a:stretch>
+        </p:blipFill>
+        <p:spPr>
+          <a:xfrm>
+            <a:off x="342361" y="717969"/>
+            <a:ext cx="5591175" cy="676275"/>
+          </a:xfrm>
+          <a:prstGeom prst="rect">
+            <a:avLst/>
+          </a:prstGeom>
+          <a:ln>
+            <a:solidFill>
+              <a:schemeClr val="bg2">
+                <a:lumMod val="50000"/>
+              </a:schemeClr>
+            </a:solidFill>
+          </a:ln>
+        </p:spPr>
+      </p:pic>
+      <p:pic>
+        <p:nvPicPr>
+          <p:cNvPr id="13" name="Picture 12"/>
+          <p:cNvPicPr>
+            <a:picLocks noChangeAspect="1"/>
+          </p:cNvPicPr>
+          <p:nvPr/>
+        </p:nvPicPr>
+        <p:blipFill>
+          <a:blip r:embed="rId4"/>
+          <a:stretch>
+            <a:fillRect/>
+          </a:stretch>
+        </p:blipFill>
+        <p:spPr>
+          <a:xfrm>
+            <a:off x="342361" y="2271082"/>
+            <a:ext cx="6667500" cy="1152525"/>
+          </a:xfrm>
+          <a:prstGeom prst="rect">
+            <a:avLst/>
+          </a:prstGeom>
+          <a:ln>
+            <a:solidFill>
+              <a:schemeClr val="bg2">
+                <a:lumMod val="50000"/>
+              </a:schemeClr>
+            </a:solidFill>
+          </a:ln>
+        </p:spPr>
+      </p:pic>
+      <p:pic>
+        <p:nvPicPr>
+          <p:cNvPr id="14" name="Picture 13"/>
+          <p:cNvPicPr>
+            <a:picLocks noChangeAspect="1"/>
+          </p:cNvPicPr>
+          <p:nvPr/>
+        </p:nvPicPr>
+        <p:blipFill>
+          <a:blip r:embed="rId5"/>
+          <a:stretch>
+            <a:fillRect/>
+          </a:stretch>
+        </p:blipFill>
+        <p:spPr>
+          <a:xfrm>
+            <a:off x="7963169" y="5054449"/>
+            <a:ext cx="2819400" cy="257175"/>
+          </a:xfrm>
+          <a:prstGeom prst="rect">
+            <a:avLst/>
+          </a:prstGeom>
+          <a:ln>
+            <a:solidFill>
+              <a:schemeClr val="bg2">
+                <a:lumMod val="50000"/>
+              </a:schemeClr>
+            </a:solidFill>
+          </a:ln>
+        </p:spPr>
+      </p:pic>
+      <p:cxnSp>
+        <p:nvCxnSpPr>
+          <p:cNvPr id="16" name="Straight Arrow Connector 15"/>
+          <p:cNvCxnSpPr>
+            <a:stCxn id="13" idx="3"/>
+            <a:endCxn id="19" idx="1"/>
+          </p:cNvCxnSpPr>
+          <p:nvPr/>
+        </p:nvCxnSpPr>
+        <p:spPr>
+          <a:xfrm flipV="1">
+            <a:off x="7009861" y="2831171"/>
+            <a:ext cx="1781983" cy="16174"/>
+          </a:xfrm>
+          <a:prstGeom prst="straightConnector1">
+            <a:avLst/>
+          </a:prstGeom>
+          <a:ln>
+            <a:solidFill>
+              <a:schemeClr val="bg2">
+                <a:lumMod val="50000"/>
+              </a:schemeClr>
+            </a:solidFill>
+            <a:tailEnd type="triangle"/>
+          </a:ln>
+        </p:spPr>
+        <p:style>
+          <a:lnRef idx="1">
+            <a:schemeClr val="accent1"/>
+          </a:lnRef>
+          <a:fillRef idx="0">
+            <a:schemeClr val="accent1"/>
+          </a:fillRef>
+          <a:effectRef idx="0">
+            <a:schemeClr val="accent1"/>
+          </a:effectRef>
+          <a:fontRef idx="minor">
+            <a:schemeClr val="tx1"/>
+          </a:fontRef>
+        </p:style>
+      </p:cxnSp>
+      <p:pic>
+        <p:nvPicPr>
+          <p:cNvPr id="19" name="Picture 18"/>
+          <p:cNvPicPr>
+            <a:picLocks noChangeAspect="1"/>
+          </p:cNvPicPr>
+          <p:nvPr/>
+        </p:nvPicPr>
+        <p:blipFill>
+          <a:blip r:embed="rId6"/>
+          <a:stretch>
+            <a:fillRect/>
+          </a:stretch>
+        </p:blipFill>
+        <p:spPr>
+          <a:xfrm>
+            <a:off x="8791844" y="2512083"/>
+            <a:ext cx="1990725" cy="638175"/>
+          </a:xfrm>
+          <a:prstGeom prst="rect">
+            <a:avLst/>
+          </a:prstGeom>
+          <a:ln>
+            <a:solidFill>
+              <a:schemeClr val="bg2">
+                <a:lumMod val="50000"/>
+              </a:schemeClr>
+            </a:solidFill>
+          </a:ln>
+        </p:spPr>
+      </p:pic>
+      <p:pic>
+        <p:nvPicPr>
+          <p:cNvPr id="21" name="Picture 20"/>
+          <p:cNvPicPr>
+            <a:picLocks noChangeAspect="1"/>
+          </p:cNvPicPr>
+          <p:nvPr/>
+        </p:nvPicPr>
+        <p:blipFill>
+          <a:blip r:embed="rId7"/>
+          <a:stretch>
+            <a:fillRect/>
+          </a:stretch>
+        </p:blipFill>
+        <p:spPr>
+          <a:xfrm>
+            <a:off x="342361" y="4406750"/>
+            <a:ext cx="6734175" cy="1552575"/>
+          </a:xfrm>
+          <a:prstGeom prst="rect">
+            <a:avLst/>
+          </a:prstGeom>
+          <a:ln>
+            <a:solidFill>
+              <a:schemeClr val="bg2">
+                <a:lumMod val="50000"/>
+              </a:schemeClr>
+            </a:solidFill>
+          </a:ln>
+        </p:spPr>
+      </p:pic>
+      <p:cxnSp>
+        <p:nvCxnSpPr>
+          <p:cNvPr id="23" name="Straight Arrow Connector 22"/>
+          <p:cNvCxnSpPr>
+            <a:stCxn id="21" idx="3"/>
+            <a:endCxn id="14" idx="1"/>
+          </p:cNvCxnSpPr>
+          <p:nvPr/>
+        </p:nvCxnSpPr>
+        <p:spPr>
+          <a:xfrm flipV="1">
+            <a:off x="7076536" y="5183037"/>
+            <a:ext cx="886633" cy="1"/>
+          </a:xfrm>
+          <a:prstGeom prst="straightConnector1">
+            <a:avLst/>
+          </a:prstGeom>
+          <a:ln>
+            <a:solidFill>
+              <a:schemeClr val="bg2">
+                <a:lumMod val="50000"/>
+              </a:schemeClr>
+            </a:solidFill>
+            <a:tailEnd type="triangle"/>
+          </a:ln>
+        </p:spPr>
+        <p:style>
+          <a:lnRef idx="1">
+            <a:schemeClr val="accent1"/>
+          </a:lnRef>
+          <a:fillRef idx="0">
+            <a:schemeClr val="accent1"/>
+          </a:fillRef>
+          <a:effectRef idx="0">
+            <a:schemeClr val="accent1"/>
+          </a:effectRef>
+          <a:fontRef idx="minor">
+            <a:schemeClr val="tx1"/>
+          </a:fontRef>
+        </p:style>
+      </p:cxnSp>
+    </p:spTree>
+    <p:extLst>
+      <p:ext uri="{BB962C8B-B14F-4D97-AF65-F5344CB8AC3E}">
+        <p14:creationId xmlns:p14="http://schemas.microsoft.com/office/powerpoint/2010/main" val="4081347625"/>
       </p:ext>
     </p:extLst>
   </p:cSld>

--- a/RxAndroid.pptx
+++ b/RxAndroid.pptx
@@ -252,7 +252,7 @@
           <a:p>
             <a:fld id="{ACD2B237-3B7B-412C-8948-813F138F6F03}" type="datetimeFigureOut">
               <a:rPr lang="en-US" smtClean="0"/>
-              <a:t>9/23/2016</a:t>
+              <a:t>9/29/2016</a:t>
             </a:fld>
             <a:endParaRPr lang="en-US"/>
           </a:p>
@@ -422,7 +422,7 @@
           <a:p>
             <a:fld id="{ACD2B237-3B7B-412C-8948-813F138F6F03}" type="datetimeFigureOut">
               <a:rPr lang="en-US" smtClean="0"/>
-              <a:t>9/23/2016</a:t>
+              <a:t>9/29/2016</a:t>
             </a:fld>
             <a:endParaRPr lang="en-US"/>
           </a:p>
@@ -602,7 +602,7 @@
           <a:p>
             <a:fld id="{ACD2B237-3B7B-412C-8948-813F138F6F03}" type="datetimeFigureOut">
               <a:rPr lang="en-US" smtClean="0"/>
-              <a:t>9/23/2016</a:t>
+              <a:t>9/29/2016</a:t>
             </a:fld>
             <a:endParaRPr lang="en-US"/>
           </a:p>
@@ -772,7 +772,7 @@
           <a:p>
             <a:fld id="{ACD2B237-3B7B-412C-8948-813F138F6F03}" type="datetimeFigureOut">
               <a:rPr lang="en-US" smtClean="0"/>
-              <a:t>9/23/2016</a:t>
+              <a:t>9/29/2016</a:t>
             </a:fld>
             <a:endParaRPr lang="en-US"/>
           </a:p>
@@ -1018,7 +1018,7 @@
           <a:p>
             <a:fld id="{ACD2B237-3B7B-412C-8948-813F138F6F03}" type="datetimeFigureOut">
               <a:rPr lang="en-US" smtClean="0"/>
-              <a:t>9/23/2016</a:t>
+              <a:t>9/29/2016</a:t>
             </a:fld>
             <a:endParaRPr lang="en-US"/>
           </a:p>
@@ -1250,7 +1250,7 @@
           <a:p>
             <a:fld id="{ACD2B237-3B7B-412C-8948-813F138F6F03}" type="datetimeFigureOut">
               <a:rPr lang="en-US" smtClean="0"/>
-              <a:t>9/23/2016</a:t>
+              <a:t>9/29/2016</a:t>
             </a:fld>
             <a:endParaRPr lang="en-US"/>
           </a:p>
@@ -1617,7 +1617,7 @@
           <a:p>
             <a:fld id="{ACD2B237-3B7B-412C-8948-813F138F6F03}" type="datetimeFigureOut">
               <a:rPr lang="en-US" smtClean="0"/>
-              <a:t>9/23/2016</a:t>
+              <a:t>9/29/2016</a:t>
             </a:fld>
             <a:endParaRPr lang="en-US"/>
           </a:p>
@@ -1735,7 +1735,7 @@
           <a:p>
             <a:fld id="{ACD2B237-3B7B-412C-8948-813F138F6F03}" type="datetimeFigureOut">
               <a:rPr lang="en-US" smtClean="0"/>
-              <a:t>9/23/2016</a:t>
+              <a:t>9/29/2016</a:t>
             </a:fld>
             <a:endParaRPr lang="en-US"/>
           </a:p>
@@ -1830,7 +1830,7 @@
           <a:p>
             <a:fld id="{ACD2B237-3B7B-412C-8948-813F138F6F03}" type="datetimeFigureOut">
               <a:rPr lang="en-US" smtClean="0"/>
-              <a:t>9/23/2016</a:t>
+              <a:t>9/29/2016</a:t>
             </a:fld>
             <a:endParaRPr lang="en-US"/>
           </a:p>
@@ -2107,7 +2107,7 @@
           <a:p>
             <a:fld id="{ACD2B237-3B7B-412C-8948-813F138F6F03}" type="datetimeFigureOut">
               <a:rPr lang="en-US" smtClean="0"/>
-              <a:t>9/23/2016</a:t>
+              <a:t>9/29/2016</a:t>
             </a:fld>
             <a:endParaRPr lang="en-US"/>
           </a:p>
@@ -2360,7 +2360,7 @@
           <a:p>
             <a:fld id="{ACD2B237-3B7B-412C-8948-813F138F6F03}" type="datetimeFigureOut">
               <a:rPr lang="en-US" smtClean="0"/>
-              <a:t>9/23/2016</a:t>
+              <a:t>9/29/2016</a:t>
             </a:fld>
             <a:endParaRPr lang="en-US"/>
           </a:p>
@@ -2573,7 +2573,7 @@
           <a:p>
             <a:fld id="{ACD2B237-3B7B-412C-8948-813F138F6F03}" type="datetimeFigureOut">
               <a:rPr lang="en-US" smtClean="0"/>
-              <a:t>9/23/2016</a:t>
+              <a:t>9/29/2016</a:t>
             </a:fld>
             <a:endParaRPr lang="en-US"/>
           </a:p>
@@ -3036,6 +3036,13 @@
   <p:clrMapOvr>
     <a:masterClrMapping/>
   </p:clrMapOvr>
+  <p:timing>
+    <p:tnLst>
+      <p:par>
+        <p:cTn id="1" dur="indefinite" restart="never" nodeType="tmRoot"/>
+      </p:par>
+    </p:tnLst>
+  </p:timing>
 </p:sld>
 </file>
 
@@ -3056,6 +3063,30 @@
           <a:chExt cx="0" cy="0"/>
         </a:xfrm>
       </p:grpSpPr>
+      <p:pic>
+        <p:nvPicPr>
+          <p:cNvPr id="2" name="Picture 1"/>
+          <p:cNvPicPr>
+            <a:picLocks noChangeAspect="1"/>
+          </p:cNvPicPr>
+          <p:nvPr/>
+        </p:nvPicPr>
+        <p:blipFill>
+          <a:blip r:embed="rId2"/>
+          <a:stretch>
+            <a:fillRect/>
+          </a:stretch>
+        </p:blipFill>
+        <p:spPr>
+          <a:xfrm>
+            <a:off x="1207697" y="664234"/>
+            <a:ext cx="9696091" cy="5287992"/>
+          </a:xfrm>
+          <a:prstGeom prst="rect">
+            <a:avLst/>
+          </a:prstGeom>
+        </p:spPr>
+      </p:pic>
     </p:spTree>
     <p:extLst>
       <p:ext uri="{BB962C8B-B14F-4D97-AF65-F5344CB8AC3E}">
@@ -3066,6 +3097,13 @@
   <p:clrMapOvr>
     <a:masterClrMapping/>
   </p:clrMapOvr>
+  <p:timing>
+    <p:tnLst>
+      <p:par>
+        <p:cTn id="1" dur="indefinite" restart="never" nodeType="tmRoot"/>
+      </p:par>
+    </p:tnLst>
+  </p:timing>
 </p:sld>
 </file>
 
@@ -3173,6 +3211,13 @@
   <p:clrMapOvr>
     <a:masterClrMapping/>
   </p:clrMapOvr>
+  <p:timing>
+    <p:tnLst>
+      <p:par>
+        <p:cTn id="1" dur="indefinite" restart="never" nodeType="tmRoot"/>
+      </p:par>
+    </p:tnLst>
+  </p:timing>
 </p:sld>
 </file>
 
@@ -3356,6 +3401,13 @@
   <p:clrMapOvr>
     <a:masterClrMapping/>
   </p:clrMapOvr>
+  <p:timing>
+    <p:tnLst>
+      <p:par>
+        <p:cTn id="1" dur="indefinite" restart="never" nodeType="tmRoot"/>
+      </p:par>
+    </p:tnLst>
+  </p:timing>
 </p:sld>
 </file>
 
@@ -3459,6 +3511,13 @@
   <p:clrMapOvr>
     <a:masterClrMapping/>
   </p:clrMapOvr>
+  <p:timing>
+    <p:tnLst>
+      <p:par>
+        <p:cTn id="1" dur="indefinite" restart="never" nodeType="tmRoot"/>
+      </p:par>
+    </p:tnLst>
+  </p:timing>
 </p:sld>
 </file>
 
@@ -3574,6 +3633,13 @@
   <p:clrMapOvr>
     <a:masterClrMapping/>
   </p:clrMapOvr>
+  <p:timing>
+    <p:tnLst>
+      <p:par>
+        <p:cTn id="1" dur="indefinite" restart="never" nodeType="tmRoot"/>
+      </p:par>
+    </p:tnLst>
+  </p:timing>
 </p:sld>
 </file>
 
@@ -3676,6 +3742,13 @@
   <p:clrMapOvr>
     <a:masterClrMapping/>
   </p:clrMapOvr>
+  <p:timing>
+    <p:tnLst>
+      <p:par>
+        <p:cTn id="1" dur="indefinite" restart="never" nodeType="tmRoot"/>
+      </p:par>
+    </p:tnLst>
+  </p:timing>
 </p:sld>
 </file>
 
@@ -3830,6 +3903,13 @@
   <p:clrMapOvr>
     <a:masterClrMapping/>
   </p:clrMapOvr>
+  <p:timing>
+    <p:tnLst>
+      <p:par>
+        <p:cTn id="1" dur="indefinite" restart="never" nodeType="tmRoot"/>
+      </p:par>
+    </p:tnLst>
+  </p:timing>
 </p:sld>
 </file>
 
@@ -4065,6 +4145,13 @@
   <p:clrMapOvr>
     <a:masterClrMapping/>
   </p:clrMapOvr>
+  <p:timing>
+    <p:tnLst>
+      <p:par>
+        <p:cTn id="1" dur="indefinite" restart="never" nodeType="tmRoot"/>
+      </p:par>
+    </p:tnLst>
+  </p:timing>
 </p:sld>
 </file>
 
@@ -4404,6 +4491,13 @@
   <p:clrMapOvr>
     <a:masterClrMapping/>
   </p:clrMapOvr>
+  <p:timing>
+    <p:tnLst>
+      <p:par>
+        <p:cTn id="1" dur="indefinite" restart="never" nodeType="tmRoot"/>
+      </p:par>
+    </p:tnLst>
+  </p:timing>
 </p:sld>
 </file>
 
